--- a/19360859053_HumeyraCimen_BitirmeCalismasi - Sunum.pptx
+++ b/19360859053_HumeyraCimen_BitirmeCalismasi - Sunum.pptx
@@ -3685,7 +3685,7 @@
         </p:spPr>
         <p:txBody>
           <a:bodyPr anchor="ctr">
-            <a:normAutofit fontScale="92500"/>
+            <a:normAutofit fontScale="85000" lnSpcReduction="10000"/>
           </a:bodyPr>
           <a:lstStyle/>
           <a:p>
@@ -3817,33 +3817,34 @@
                 <a:latin typeface="Times New Roman" panose="02020603050405020304" pitchFamily="18" charset="0"/>
                 <a:ea typeface="Times New Roman" panose="02020603050405020304" pitchFamily="18" charset="0"/>
               </a:rPr>
-              <a:t>." https://openai.com/blog/language- </a:t>
-            </a:r>
-            <a:r>
-              <a:rPr lang="tr-TR" sz="2400" dirty="0" err="1">
+              <a:t>." </a:t>
+            </a:r>
+            <a:r>
+              <a:rPr lang="tr-TR" sz="2400" dirty="0">
                 <a:effectLst/>
                 <a:latin typeface="Times New Roman" panose="02020603050405020304" pitchFamily="18" charset="0"/>
                 <a:ea typeface="Times New Roman" panose="02020603050405020304" pitchFamily="18" charset="0"/>
-              </a:rPr>
-              <a:t>models</a:t>
-            </a:r>
-            <a:r>
-              <a:rPr lang="tr-TR" sz="2400" dirty="0">
+                <a:hlinkClick r:id="rId3"/>
+              </a:rPr>
+              <a:t>https://openai.com/blog/language- </a:t>
+            </a:r>
+            <a:r>
+              <a:rPr lang="tr-TR" sz="2400" dirty="0" err="1">
                 <a:effectLst/>
                 <a:latin typeface="Times New Roman" panose="02020603050405020304" pitchFamily="18" charset="0"/>
                 <a:ea typeface="Times New Roman" panose="02020603050405020304" pitchFamily="18" charset="0"/>
-              </a:rPr>
-              <a:t>/.</a:t>
-            </a:r>
-          </a:p>
-          <a:p>
-            <a:r>
-              <a:rPr lang="tr-TR" sz="2400" dirty="0" err="1">
+                <a:hlinkClick r:id="rId3"/>
+              </a:rPr>
+              <a:t>models</a:t>
+            </a:r>
+            <a:r>
+              <a:rPr lang="tr-TR" sz="2400" dirty="0">
                 <a:effectLst/>
                 <a:latin typeface="Times New Roman" panose="02020603050405020304" pitchFamily="18" charset="0"/>
                 <a:ea typeface="Times New Roman" panose="02020603050405020304" pitchFamily="18" charset="0"/>
-              </a:rPr>
-              <a:t>Devlin</a:t>
+                <a:hlinkClick r:id="rId3"/>
+              </a:rPr>
+              <a:t>/</a:t>
             </a:r>
             <a:r>
               <a:rPr lang="tr-TR" sz="2400" dirty="0">
@@ -3851,120 +3852,155 @@
                 <a:latin typeface="Times New Roman" panose="02020603050405020304" pitchFamily="18" charset="0"/>
                 <a:ea typeface="Times New Roman" panose="02020603050405020304" pitchFamily="18" charset="0"/>
               </a:rPr>
-              <a:t>, J., Chang, M.-W., Lee, K., &amp; </a:t>
-            </a:r>
-            <a:r>
-              <a:rPr lang="tr-TR" sz="2400" dirty="0" err="1">
+              <a:t>.</a:t>
+            </a:r>
+          </a:p>
+          <a:p>
+            <a:r>
+              <a:rPr lang="tr-TR" sz="2400" dirty="0">
                 <a:effectLst/>
                 <a:latin typeface="Times New Roman" panose="02020603050405020304" pitchFamily="18" charset="0"/>
                 <a:ea typeface="Times New Roman" panose="02020603050405020304" pitchFamily="18" charset="0"/>
               </a:rPr>
-              <a:t>Toutanova</a:t>
-            </a:r>
-            <a:r>
-              <a:rPr lang="tr-TR" sz="2400" dirty="0">
+              <a:t>Microsoft. (2024). Microsoft Copilot [Yapay Zeka Aracı]. https://copilot.microsoft.com/</a:t>
+            </a:r>
+          </a:p>
+          <a:p>
+            <a:r>
+              <a:rPr lang="tr-TR" sz="2400" dirty="0" err="1">
                 <a:effectLst/>
                 <a:latin typeface="Times New Roman" panose="02020603050405020304" pitchFamily="18" charset="0"/>
                 <a:ea typeface="Times New Roman" panose="02020603050405020304" pitchFamily="18" charset="0"/>
               </a:rPr>
-              <a:t>, K. (2019). BERT: </a:t>
-            </a:r>
-            <a:r>
-              <a:rPr lang="tr-TR" sz="2400" dirty="0" err="1">
+              <a:t>Devlin</a:t>
+            </a:r>
+            <a:r>
+              <a:rPr lang="tr-TR" sz="2400" dirty="0">
                 <a:effectLst/>
                 <a:latin typeface="Times New Roman" panose="02020603050405020304" pitchFamily="18" charset="0"/>
                 <a:ea typeface="Times New Roman" panose="02020603050405020304" pitchFamily="18" charset="0"/>
               </a:rPr>
-              <a:t>Pre-training</a:t>
-            </a:r>
-            <a:r>
-              <a:rPr lang="tr-TR" sz="2400" dirty="0">
+              <a:t>, J., Chang, M.-W., Lee, K., &amp; </a:t>
+            </a:r>
+            <a:r>
+              <a:rPr lang="tr-TR" sz="2400" dirty="0" err="1">
                 <a:effectLst/>
                 <a:latin typeface="Times New Roman" panose="02020603050405020304" pitchFamily="18" charset="0"/>
                 <a:ea typeface="Times New Roman" panose="02020603050405020304" pitchFamily="18" charset="0"/>
               </a:rPr>
-              <a:t> of </a:t>
-            </a:r>
-            <a:r>
-              <a:rPr lang="tr-TR" sz="2400" dirty="0" err="1">
+              <a:t>Toutanova</a:t>
+            </a:r>
+            <a:r>
+              <a:rPr lang="tr-TR" sz="2400" dirty="0">
                 <a:effectLst/>
                 <a:latin typeface="Times New Roman" panose="02020603050405020304" pitchFamily="18" charset="0"/>
                 <a:ea typeface="Times New Roman" panose="02020603050405020304" pitchFamily="18" charset="0"/>
               </a:rPr>
-              <a:t>Deep</a:t>
-            </a:r>
-            <a:r>
-              <a:rPr lang="tr-TR" sz="2400" dirty="0">
+              <a:t>, K. (2019). BERT: </a:t>
+            </a:r>
+            <a:r>
+              <a:rPr lang="tr-TR" sz="2400" dirty="0" err="1">
                 <a:effectLst/>
                 <a:latin typeface="Times New Roman" panose="02020603050405020304" pitchFamily="18" charset="0"/>
                 <a:ea typeface="Times New Roman" panose="02020603050405020304" pitchFamily="18" charset="0"/>
               </a:rPr>
-              <a:t> </a:t>
-            </a:r>
-            <a:r>
-              <a:rPr lang="tr-TR" sz="2400" dirty="0" err="1">
+              <a:t>Pre-training</a:t>
+            </a:r>
+            <a:r>
+              <a:rPr lang="tr-TR" sz="2400" dirty="0">
                 <a:effectLst/>
                 <a:latin typeface="Times New Roman" panose="02020603050405020304" pitchFamily="18" charset="0"/>
                 <a:ea typeface="Times New Roman" panose="02020603050405020304" pitchFamily="18" charset="0"/>
               </a:rPr>
-              <a:t>Bidirectional</a:t>
-            </a:r>
-            <a:r>
-              <a:rPr lang="tr-TR" sz="2400" dirty="0">
+              <a:t> of </a:t>
+            </a:r>
+            <a:r>
+              <a:rPr lang="tr-TR" sz="2400" dirty="0" err="1">
                 <a:effectLst/>
                 <a:latin typeface="Times New Roman" panose="02020603050405020304" pitchFamily="18" charset="0"/>
                 <a:ea typeface="Times New Roman" panose="02020603050405020304" pitchFamily="18" charset="0"/>
               </a:rPr>
-              <a:t> </a:t>
-            </a:r>
-            <a:r>
-              <a:rPr lang="tr-TR" sz="2400" dirty="0" err="1">
+              <a:t>Deep</a:t>
+            </a:r>
+            <a:r>
+              <a:rPr lang="tr-TR" sz="2400" dirty="0">
                 <a:effectLst/>
                 <a:latin typeface="Times New Roman" panose="02020603050405020304" pitchFamily="18" charset="0"/>
                 <a:ea typeface="Times New Roman" panose="02020603050405020304" pitchFamily="18" charset="0"/>
               </a:rPr>
-              <a:t>Transformers</a:t>
-            </a:r>
-            <a:r>
-              <a:rPr lang="tr-TR" sz="2400" dirty="0">
+              <a:t> </a:t>
+            </a:r>
+            <a:r>
+              <a:rPr lang="tr-TR" sz="2400" dirty="0" err="1">
                 <a:effectLst/>
                 <a:latin typeface="Times New Roman" panose="02020603050405020304" pitchFamily="18" charset="0"/>
                 <a:ea typeface="Times New Roman" panose="02020603050405020304" pitchFamily="18" charset="0"/>
               </a:rPr>
-              <a:t> </a:t>
-            </a:r>
-            <a:r>
-              <a:rPr lang="tr-TR" sz="2400" dirty="0" err="1">
+              <a:t>Bidirectional</a:t>
+            </a:r>
+            <a:r>
+              <a:rPr lang="tr-TR" sz="2400" dirty="0">
                 <a:effectLst/>
                 <a:latin typeface="Times New Roman" panose="02020603050405020304" pitchFamily="18" charset="0"/>
                 <a:ea typeface="Times New Roman" panose="02020603050405020304" pitchFamily="18" charset="0"/>
               </a:rPr>
-              <a:t>for</a:t>
-            </a:r>
-            <a:r>
-              <a:rPr lang="tr-TR" sz="2400" dirty="0">
+              <a:t> </a:t>
+            </a:r>
+            <a:r>
+              <a:rPr lang="tr-TR" sz="2400" dirty="0" err="1">
                 <a:effectLst/>
                 <a:latin typeface="Times New Roman" panose="02020603050405020304" pitchFamily="18" charset="0"/>
                 <a:ea typeface="Times New Roman" panose="02020603050405020304" pitchFamily="18" charset="0"/>
               </a:rPr>
-              <a:t> Language </a:t>
-            </a:r>
-            <a:r>
-              <a:rPr lang="tr-TR" sz="2400" dirty="0" err="1">
+              <a:t>Transformers</a:t>
+            </a:r>
+            <a:r>
+              <a:rPr lang="tr-TR" sz="2400" dirty="0">
                 <a:effectLst/>
                 <a:latin typeface="Times New Roman" panose="02020603050405020304" pitchFamily="18" charset="0"/>
                 <a:ea typeface="Times New Roman" panose="02020603050405020304" pitchFamily="18" charset="0"/>
               </a:rPr>
-              <a:t>Understanding</a:t>
-            </a:r>
-            <a:r>
-              <a:rPr lang="tr-TR" sz="2400" dirty="0">
+              <a:t> </a:t>
+            </a:r>
+            <a:r>
+              <a:rPr lang="tr-TR" sz="2400" dirty="0" err="1">
                 <a:effectLst/>
                 <a:latin typeface="Times New Roman" panose="02020603050405020304" pitchFamily="18" charset="0"/>
                 <a:ea typeface="Times New Roman" panose="02020603050405020304" pitchFamily="18" charset="0"/>
               </a:rPr>
+              <a:t>for</a:t>
+            </a:r>
+            <a:r>
+              <a:rPr lang="tr-TR" sz="2400" dirty="0">
+                <a:effectLst/>
+                <a:latin typeface="Times New Roman" panose="02020603050405020304" pitchFamily="18" charset="0"/>
+                <a:ea typeface="Times New Roman" panose="02020603050405020304" pitchFamily="18" charset="0"/>
+              </a:rPr>
+              <a:t> Language </a:t>
+            </a:r>
+            <a:r>
+              <a:rPr lang="tr-TR" sz="2400" dirty="0" err="1">
+                <a:effectLst/>
+                <a:latin typeface="Times New Roman" panose="02020603050405020304" pitchFamily="18" charset="0"/>
+                <a:ea typeface="Times New Roman" panose="02020603050405020304" pitchFamily="18" charset="0"/>
+              </a:rPr>
+              <a:t>Understanding</a:t>
+            </a:r>
+            <a:r>
+              <a:rPr lang="tr-TR" sz="2400" dirty="0">
+                <a:effectLst/>
+                <a:latin typeface="Times New Roman" panose="02020603050405020304" pitchFamily="18" charset="0"/>
+                <a:ea typeface="Times New Roman" panose="02020603050405020304" pitchFamily="18" charset="0"/>
+              </a:rPr>
               <a:t>. arXiv:1810.04805.</a:t>
             </a:r>
+          </a:p>
+          <a:p>
+            <a:endParaRPr lang="tr-TR" sz="2400" dirty="0">
+              <a:effectLst/>
+              <a:latin typeface="Times New Roman" panose="02020603050405020304" pitchFamily="18" charset="0"/>
+              <a:ea typeface="Times New Roman" panose="02020603050405020304" pitchFamily="18" charset="0"/>
+            </a:endParaRPr>
           </a:p>
         </p:txBody>
       </p:sp>
